--- a/Презентация за проект Restaurant System.pptx
+++ b/Презентация за проект Restaurant System.pptx
@@ -7,12 +7,13 @@
   <p:sldIdLst>
     <p:sldId id="256" r:id="rId2"/>
     <p:sldId id="260" r:id="rId3"/>
-    <p:sldId id="261" r:id="rId4"/>
-    <p:sldId id="263" r:id="rId5"/>
-    <p:sldId id="264" r:id="rId6"/>
-    <p:sldId id="265" r:id="rId7"/>
-    <p:sldId id="266" r:id="rId8"/>
-    <p:sldId id="267" r:id="rId9"/>
+    <p:sldId id="268" r:id="rId4"/>
+    <p:sldId id="261" r:id="rId5"/>
+    <p:sldId id="263" r:id="rId6"/>
+    <p:sldId id="264" r:id="rId7"/>
+    <p:sldId id="265" r:id="rId8"/>
+    <p:sldId id="266" r:id="rId9"/>
+    <p:sldId id="267" r:id="rId10"/>
   </p:sldIdLst>
   <p:sldSz cx="12192000" cy="6858000"/>
   <p:notesSz cx="6858000" cy="9144000"/>
@@ -450,7 +451,7 @@
           <a:p>
             <a:fld id="{06937D92-E2D6-4E09-9194-90E4BC83F4CA}" type="datetimeFigureOut">
               <a:rPr lang="en-US" smtClean="0"/>
-              <a:t>3/25/2023</a:t>
+              <a:t>3/26/2023</a:t>
             </a:fld>
             <a:endParaRPr lang="en-US"/>
           </a:p>
@@ -774,7 +775,7 @@
           <a:p>
             <a:fld id="{06937D92-E2D6-4E09-9194-90E4BC83F4CA}" type="datetimeFigureOut">
               <a:rPr lang="en-US" smtClean="0"/>
-              <a:t>3/25/2023</a:t>
+              <a:t>3/26/2023</a:t>
             </a:fld>
             <a:endParaRPr lang="en-US"/>
           </a:p>
@@ -1022,7 +1023,7 @@
           <a:p>
             <a:fld id="{06937D92-E2D6-4E09-9194-90E4BC83F4CA}" type="datetimeFigureOut">
               <a:rPr lang="en-US" smtClean="0"/>
-              <a:t>3/25/2023</a:t>
+              <a:t>3/26/2023</a:t>
             </a:fld>
             <a:endParaRPr lang="en-US"/>
           </a:p>
@@ -1361,7 +1362,7 @@
           <a:p>
             <a:fld id="{06937D92-E2D6-4E09-9194-90E4BC83F4CA}" type="datetimeFigureOut">
               <a:rPr lang="en-US" smtClean="0"/>
-              <a:t>3/25/2023</a:t>
+              <a:t>3/26/2023</a:t>
             </a:fld>
             <a:endParaRPr lang="en-US"/>
           </a:p>
@@ -1708,7 +1709,7 @@
           <a:p>
             <a:fld id="{06937D92-E2D6-4E09-9194-90E4BC83F4CA}" type="datetimeFigureOut">
               <a:rPr lang="en-US" smtClean="0"/>
-              <a:t>3/25/2023</a:t>
+              <a:t>3/26/2023</a:t>
             </a:fld>
             <a:endParaRPr lang="en-US"/>
           </a:p>
@@ -2082,7 +2083,7 @@
           <a:p>
             <a:fld id="{06937D92-E2D6-4E09-9194-90E4BC83F4CA}" type="datetimeFigureOut">
               <a:rPr lang="en-US" smtClean="0"/>
-              <a:t>3/25/2023</a:t>
+              <a:t>3/26/2023</a:t>
             </a:fld>
             <a:endParaRPr lang="en-US"/>
           </a:p>
@@ -2552,7 +2553,7 @@
           <a:p>
             <a:fld id="{06937D92-E2D6-4E09-9194-90E4BC83F4CA}" type="datetimeFigureOut">
               <a:rPr lang="en-US" smtClean="0"/>
-              <a:t>3/25/2023</a:t>
+              <a:t>3/26/2023</a:t>
             </a:fld>
             <a:endParaRPr lang="en-US"/>
           </a:p>
@@ -2757,7 +2758,7 @@
           <a:p>
             <a:fld id="{06937D92-E2D6-4E09-9194-90E4BC83F4CA}" type="datetimeFigureOut">
               <a:rPr lang="en-US" smtClean="0"/>
-              <a:t>3/25/2023</a:t>
+              <a:t>3/26/2023</a:t>
             </a:fld>
             <a:endParaRPr lang="en-US"/>
           </a:p>
@@ -2968,7 +2969,7 @@
           <a:p>
             <a:fld id="{06937D92-E2D6-4E09-9194-90E4BC83F4CA}" type="datetimeFigureOut">
               <a:rPr lang="en-US" smtClean="0"/>
-              <a:t>3/25/2023</a:t>
+              <a:t>3/26/2023</a:t>
             </a:fld>
             <a:endParaRPr lang="en-US"/>
           </a:p>
@@ -3200,7 +3201,7 @@
           <a:p>
             <a:fld id="{06937D92-E2D6-4E09-9194-90E4BC83F4CA}" type="datetimeFigureOut">
               <a:rPr lang="en-US" smtClean="0"/>
-              <a:t>3/25/2023</a:t>
+              <a:t>3/26/2023</a:t>
             </a:fld>
             <a:endParaRPr lang="en-US"/>
           </a:p>
@@ -3448,7 +3449,7 @@
           <a:p>
             <a:fld id="{06937D92-E2D6-4E09-9194-90E4BC83F4CA}" type="datetimeFigureOut">
               <a:rPr lang="en-US" smtClean="0"/>
-              <a:t>3/25/2023</a:t>
+              <a:t>3/26/2023</a:t>
             </a:fld>
             <a:endParaRPr lang="en-US"/>
           </a:p>
@@ -3746,7 +3747,7 @@
           <a:p>
             <a:fld id="{06937D92-E2D6-4E09-9194-90E4BC83F4CA}" type="datetimeFigureOut">
               <a:rPr lang="en-US" smtClean="0"/>
-              <a:t>3/25/2023</a:t>
+              <a:t>3/26/2023</a:t>
             </a:fld>
             <a:endParaRPr lang="en-US"/>
           </a:p>
@@ -4140,7 +4141,7 @@
           <a:p>
             <a:fld id="{06937D92-E2D6-4E09-9194-90E4BC83F4CA}" type="datetimeFigureOut">
               <a:rPr lang="en-US" smtClean="0"/>
-              <a:t>3/25/2023</a:t>
+              <a:t>3/26/2023</a:t>
             </a:fld>
             <a:endParaRPr lang="en-US"/>
           </a:p>
@@ -4289,7 +4290,7 @@
           <a:p>
             <a:fld id="{06937D92-E2D6-4E09-9194-90E4BC83F4CA}" type="datetimeFigureOut">
               <a:rPr lang="en-US" smtClean="0"/>
-              <a:t>3/25/2023</a:t>
+              <a:t>3/26/2023</a:t>
             </a:fld>
             <a:endParaRPr lang="en-US"/>
           </a:p>
@@ -4415,7 +4416,7 @@
           <a:p>
             <a:fld id="{06937D92-E2D6-4E09-9194-90E4BC83F4CA}" type="datetimeFigureOut">
               <a:rPr lang="en-US" smtClean="0"/>
-              <a:t>3/25/2023</a:t>
+              <a:t>3/26/2023</a:t>
             </a:fld>
             <a:endParaRPr lang="en-US"/>
           </a:p>
@@ -4670,7 +4671,7 @@
           <a:p>
             <a:fld id="{06937D92-E2D6-4E09-9194-90E4BC83F4CA}" type="datetimeFigureOut">
               <a:rPr lang="en-US" smtClean="0"/>
-              <a:t>3/25/2023</a:t>
+              <a:t>3/26/2023</a:t>
             </a:fld>
             <a:endParaRPr lang="en-US"/>
           </a:p>
@@ -4985,7 +4986,7 @@
           <a:p>
             <a:fld id="{06937D92-E2D6-4E09-9194-90E4BC83F4CA}" type="datetimeFigureOut">
               <a:rPr lang="en-US" smtClean="0"/>
-              <a:t>3/25/2023</a:t>
+              <a:t>3/26/2023</a:t>
             </a:fld>
             <a:endParaRPr lang="en-US"/>
           </a:p>
@@ -5336,7 +5337,7 @@
           <a:p>
             <a:fld id="{06937D92-E2D6-4E09-9194-90E4BC83F4CA}" type="datetimeFigureOut">
               <a:rPr lang="en-US" smtClean="0"/>
-              <a:t>3/25/2023</a:t>
+              <a:t>3/26/2023</a:t>
             </a:fld>
             <a:endParaRPr lang="en-US"/>
           </a:p>
@@ -5924,7 +5925,7 @@
         </p:nvSpPr>
         <p:spPr>
           <a:xfrm>
-            <a:off x="131806" y="5799439"/>
+            <a:off x="82379" y="5865342"/>
             <a:ext cx="5486400" cy="1200329"/>
           </a:xfrm>
           <a:prstGeom prst="rect">
@@ -5940,14 +5941,10 @@
           <a:p>
             <a:r>
               <a:rPr lang="bg-BG" dirty="0"/>
-              <a:t>НП “Обучение за </a:t>
-            </a:r>
-            <a:r>
-              <a:rPr lang="bg-BG"/>
-              <a:t>ИТ </a:t>
-            </a:r>
-            <a:r>
-              <a:rPr lang="bg-BG" smtClean="0"/>
+              <a:t>НП “Обучение за ИТ </a:t>
+            </a:r>
+            <a:r>
+              <a:rPr lang="bg-BG" dirty="0" smtClean="0"/>
               <a:t>Умения и Кариера</a:t>
             </a:r>
             <a:r>
@@ -6121,6 +6118,9 @@
   <p:clrMapOvr>
     <a:masterClrMapping/>
   </p:clrMapOvr>
+  <p:transition spd="slow">
+    <p:push dir="u"/>
+  </p:transition>
   <p:timing>
     <p:tnLst>
       <p:par>
@@ -6156,8 +6156,8 @@
         </p:nvSpPr>
         <p:spPr>
           <a:xfrm>
-            <a:off x="914401" y="1392195"/>
-            <a:ext cx="5511114" cy="923330"/>
+            <a:off x="4094205" y="988541"/>
+            <a:ext cx="5725297" cy="369332"/>
           </a:xfrm>
           <a:prstGeom prst="rect">
             <a:avLst/>
@@ -6172,43 +6172,7 @@
           <a:p>
             <a:r>
               <a:rPr lang="bg-BG" dirty="0" smtClean="0"/>
-              <a:t>Един от проблемите на класа </a:t>
-            </a:r>
-            <a:r>
-              <a:rPr lang="en-US" dirty="0" err="1" smtClean="0"/>
-              <a:t>EmployeeDisplay</a:t>
-            </a:r>
-            <a:r>
-              <a:rPr lang="bg-BG" dirty="0" smtClean="0"/>
-              <a:t> е при </a:t>
-            </a:r>
-            <a:r>
-              <a:rPr lang="en-US" dirty="0" err="1" smtClean="0"/>
-              <a:t>AddEmployee</a:t>
-            </a:r>
-            <a:r>
-              <a:rPr lang="bg-BG" dirty="0" smtClean="0"/>
-              <a:t> и </a:t>
-            </a:r>
-            <a:r>
-              <a:rPr lang="en-US" dirty="0" err="1" smtClean="0"/>
-              <a:t>ListEmployees</a:t>
-            </a:r>
-            <a:r>
-              <a:rPr lang="en-US" dirty="0" smtClean="0"/>
-              <a:t>, </a:t>
-            </a:r>
-            <a:r>
-              <a:rPr lang="bg-BG" dirty="0" smtClean="0"/>
-              <a:t>където искаме за </a:t>
-            </a:r>
-            <a:r>
-              <a:rPr lang="en-US" dirty="0" smtClean="0"/>
-              <a:t>Hire Date </a:t>
-            </a:r>
-            <a:r>
-              <a:rPr lang="bg-BG" dirty="0" smtClean="0"/>
-              <a:t>да въвеждаме само дата като ден-месец-година</a:t>
+              <a:t>Етапи за реализиране на проекта</a:t>
             </a:r>
             <a:endParaRPr lang="en-US" dirty="0"/>
           </a:p>
@@ -6222,8 +6186,8 @@
         </p:nvSpPr>
         <p:spPr>
           <a:xfrm>
-            <a:off x="4184821" y="807307"/>
-            <a:ext cx="4464908" cy="461665"/>
+            <a:off x="1400433" y="1705232"/>
+            <a:ext cx="9028671" cy="4247317"/>
           </a:xfrm>
           <a:prstGeom prst="rect">
             <a:avLst/>
@@ -6236,125 +6200,163 @@
           </a:bodyPr>
           <a:lstStyle/>
           <a:p>
-            <a:r>
-              <a:rPr lang="bg-BG" sz="2400" dirty="0" smtClean="0"/>
-              <a:t>Проблеми и решения за тях</a:t>
-            </a:r>
-            <a:endParaRPr lang="en-US" sz="2400" dirty="0"/>
-          </a:p>
-        </p:txBody>
-      </p:sp>
-      <p:sp>
-        <p:nvSpPr>
-          <p:cNvPr id="5" name="TextBox 4"/>
-          <p:cNvSpPr txBox="1"/>
-          <p:nvPr/>
-        </p:nvSpPr>
-        <p:spPr>
-          <a:xfrm>
-            <a:off x="914400" y="2315525"/>
-            <a:ext cx="8163697" cy="923330"/>
-          </a:xfrm>
-          <a:prstGeom prst="rect">
-            <a:avLst/>
-          </a:prstGeom>
-          <a:noFill/>
-        </p:spPr>
-        <p:txBody>
-          <a:bodyPr wrap="square" rtlCol="0">
-            <a:spAutoFit/>
-          </a:bodyPr>
-          <a:lstStyle/>
-          <a:p>
+            <a:pPr algn="just"/>
             <a:r>
               <a:rPr lang="bg-BG" dirty="0" smtClean="0"/>
-              <a:t>Решението на проблема е да използваме </a:t>
-            </a:r>
-            <a:endParaRPr lang="en-US" dirty="0" smtClean="0"/>
-          </a:p>
-          <a:p>
+              <a:t>Основните етапи през които преминахме са 4 на брой:</a:t>
+            </a:r>
+          </a:p>
+          <a:p>
+            <a:pPr algn="just"/>
+            <a:endParaRPr lang="bg-BG" dirty="0"/>
+          </a:p>
+          <a:p>
+            <a:pPr algn="just"/>
+            <a:r>
+              <a:rPr lang="bg-BG" dirty="0" smtClean="0"/>
+              <a:t>Първи етап - </a:t>
+            </a:r>
+            <a:r>
+              <a:rPr lang="bg-BG" dirty="0"/>
+              <a:t>първите стъпки бяха  измисляне на тема, създаване на </a:t>
+            </a:r>
+            <a:r>
+              <a:rPr lang="bg-BG" dirty="0" smtClean="0"/>
+              <a:t>проекта, изтегляне на </a:t>
+            </a:r>
             <a:r>
               <a:rPr lang="en-US" dirty="0" err="1" smtClean="0"/>
-              <a:t>DateTime.ParseExact</a:t>
+              <a:t>EntityFrameworkCore</a:t>
+            </a:r>
+            <a:r>
+              <a:rPr lang="bg-BG" dirty="0" smtClean="0"/>
+              <a:t> </a:t>
+            </a:r>
+            <a:r>
+              <a:rPr lang="bg-BG" dirty="0"/>
+              <a:t>и създаване на </a:t>
+            </a:r>
+            <a:r>
+              <a:rPr lang="en-US" dirty="0"/>
+              <a:t>Repository </a:t>
+            </a:r>
+            <a:r>
+              <a:rPr lang="bg-BG" dirty="0"/>
+              <a:t>в </a:t>
+            </a:r>
+            <a:r>
+              <a:rPr lang="en-US" dirty="0" err="1" smtClean="0"/>
+              <a:t>GitHub</a:t>
+            </a:r>
+            <a:r>
+              <a:rPr lang="bg-BG" dirty="0" smtClean="0"/>
+              <a:t>.</a:t>
+            </a:r>
+          </a:p>
+          <a:p>
+            <a:pPr algn="just"/>
+            <a:endParaRPr lang="bg-BG" dirty="0" smtClean="0"/>
+          </a:p>
+          <a:p>
+            <a:pPr algn="just"/>
+            <a:r>
+              <a:rPr lang="bg-BG" dirty="0" smtClean="0"/>
+              <a:t>Втори етап – в този етап довършихме програмата като се срешнахме с проблем при добавяне на данни в класовете </a:t>
             </a:r>
             <a:r>
               <a:rPr lang="en-US" dirty="0" smtClean="0"/>
-              <a:t>(</a:t>
-            </a:r>
-            <a:r>
-              <a:rPr lang="en-US" dirty="0" err="1" smtClean="0"/>
-              <a:t>Console.ReadLine</a:t>
-            </a:r>
-            <a:r>
-              <a:rPr lang="en-US" dirty="0"/>
-              <a:t>(), "</a:t>
-            </a:r>
-            <a:r>
-              <a:rPr lang="en-US" dirty="0" err="1"/>
-              <a:t>dd</a:t>
-            </a:r>
-            <a:r>
-              <a:rPr lang="en-US" dirty="0"/>
-              <a:t>-MM-</a:t>
-            </a:r>
-            <a:r>
-              <a:rPr lang="en-US" dirty="0" err="1"/>
-              <a:t>yyyy</a:t>
-            </a:r>
-            <a:r>
-              <a:rPr lang="en-US" dirty="0"/>
-              <a:t>", </a:t>
-            </a:r>
-            <a:r>
-              <a:rPr lang="en-US" dirty="0" err="1"/>
-              <a:t>CultureInfo.InvariantCulture</a:t>
+              <a:t>Order </a:t>
+            </a:r>
+            <a:r>
+              <a:rPr lang="bg-BG" dirty="0" smtClean="0"/>
+              <a:t>и </a:t>
             </a:r>
             <a:r>
               <a:rPr lang="en-US" dirty="0" smtClean="0"/>
-              <a:t>)</a:t>
+              <a:t>Product</a:t>
             </a:r>
             <a:r>
               <a:rPr lang="bg-BG" dirty="0" smtClean="0"/>
-              <a:t>, за да може да превървем низа по начина който искаме</a:t>
-            </a:r>
-            <a:endParaRPr lang="en-US" dirty="0" smtClean="0"/>
-          </a:p>
-        </p:txBody>
-      </p:sp>
-      <p:pic>
-        <p:nvPicPr>
-          <p:cNvPr id="6" name="Picture 5"/>
-          <p:cNvPicPr>
-            <a:picLocks noChangeAspect="1"/>
-          </p:cNvPicPr>
-          <p:nvPr/>
-        </p:nvPicPr>
-        <p:blipFill>
-          <a:blip r:embed="rId2"/>
-          <a:stretch>
-            <a:fillRect/>
-          </a:stretch>
-        </p:blipFill>
-        <p:spPr>
-          <a:xfrm>
-            <a:off x="4996248" y="3465265"/>
-            <a:ext cx="5189836" cy="2448248"/>
-          </a:xfrm>
-          <a:prstGeom prst="rect">
-            <a:avLst/>
-          </a:prstGeom>
-        </p:spPr>
-      </p:pic>
+              <a:t>, като го оправихме чрез преглеждане на връзките и внимателно добавяне на данните.</a:t>
+            </a:r>
+          </a:p>
+          <a:p>
+            <a:pPr algn="just"/>
+            <a:endParaRPr lang="bg-BG" dirty="0"/>
+          </a:p>
+          <a:p>
+            <a:pPr algn="just"/>
+            <a:r>
+              <a:rPr lang="bg-BG" dirty="0" smtClean="0"/>
+              <a:t>Трети етап – тук тествахме програмата, редактирахме правописни грешки и добавихме </a:t>
+            </a:r>
+            <a:r>
+              <a:rPr lang="en-US" dirty="0" smtClean="0"/>
+              <a:t>XML </a:t>
+            </a:r>
+            <a:r>
+              <a:rPr lang="bg-BG" dirty="0" smtClean="0"/>
+              <a:t>коментари. </a:t>
+            </a:r>
+            <a:r>
+              <a:rPr lang="bg-BG" dirty="0"/>
+              <a:t>Опитахме да направим компоненти тестове за методите, но </a:t>
+            </a:r>
+            <a:r>
+              <a:rPr lang="bg-BG" dirty="0" smtClean="0"/>
+              <a:t>теста правеше </a:t>
+            </a:r>
+            <a:r>
+              <a:rPr lang="bg-BG" dirty="0"/>
+              <a:t>промени по базата от данни и затова решихме да не ги правим</a:t>
+            </a:r>
+            <a:r>
+              <a:rPr lang="bg-BG" dirty="0" smtClean="0"/>
+              <a:t>.</a:t>
+            </a:r>
+          </a:p>
+          <a:p>
+            <a:pPr algn="just"/>
+            <a:endParaRPr lang="bg-BG" dirty="0"/>
+          </a:p>
+          <a:p>
+            <a:pPr algn="just"/>
+            <a:r>
+              <a:rPr lang="bg-BG" dirty="0" smtClean="0"/>
+              <a:t>Четвърти етап – последният етап беше създаване на </a:t>
+            </a:r>
+            <a:r>
+              <a:rPr lang="en-US" dirty="0" smtClean="0"/>
+              <a:t>ASP.NET </a:t>
+            </a:r>
+            <a:r>
+              <a:rPr lang="bg-BG" dirty="0" smtClean="0"/>
+              <a:t>проект, който се свързва със</a:t>
+            </a:r>
+          </a:p>
+          <a:p>
+            <a:pPr algn="just"/>
+            <a:r>
+              <a:rPr lang="bg-BG" dirty="0" smtClean="0"/>
+              <a:t>същия сървър на първия проект, за да може да споделя същите данни.</a:t>
+            </a:r>
+            <a:endParaRPr lang="en-US" dirty="0"/>
+          </a:p>
+        </p:txBody>
+      </p:sp>
     </p:spTree>
     <p:extLst>
       <p:ext uri="{BB962C8B-B14F-4D97-AF65-F5344CB8AC3E}">
-        <p14:creationId xmlns:p14="http://schemas.microsoft.com/office/powerpoint/2010/main" val="2211192253"/>
+        <p14:creationId xmlns:p14="http://schemas.microsoft.com/office/powerpoint/2010/main" val="4059126775"/>
       </p:ext>
     </p:extLst>
   </p:cSld>
   <p:clrMapOvr>
     <a:masterClrMapping/>
   </p:clrMapOvr>
+  <p:transition spd="slow">
+    <p:wipe/>
+  </p:transition>
   <p:timing>
     <p:tnLst>
       <p:par>
@@ -6390,8 +6392,8 @@
         </p:nvSpPr>
         <p:spPr>
           <a:xfrm>
-            <a:off x="996778" y="1441621"/>
-            <a:ext cx="6656174" cy="923330"/>
+            <a:off x="914401" y="1392195"/>
+            <a:ext cx="5511114" cy="923330"/>
           </a:xfrm>
           <a:prstGeom prst="rect">
             <a:avLst/>
@@ -6406,7 +6408,23 @@
           <a:p>
             <a:r>
               <a:rPr lang="bg-BG" dirty="0" smtClean="0"/>
-              <a:t>В метода </a:t>
+              <a:t>Един от проблемите на класа </a:t>
+            </a:r>
+            <a:r>
+              <a:rPr lang="en-US" dirty="0" err="1" smtClean="0"/>
+              <a:t>EmployeeDisplay</a:t>
+            </a:r>
+            <a:r>
+              <a:rPr lang="bg-BG" dirty="0" smtClean="0"/>
+              <a:t> е при </a:t>
+            </a:r>
+            <a:r>
+              <a:rPr lang="en-US" dirty="0" err="1" smtClean="0"/>
+              <a:t>AddEmployee</a:t>
+            </a:r>
+            <a:r>
+              <a:rPr lang="bg-BG" dirty="0" smtClean="0"/>
+              <a:t> и </a:t>
             </a:r>
             <a:r>
               <a:rPr lang="en-US" dirty="0" err="1" smtClean="0"/>
@@ -6414,52 +6432,134 @@
             </a:r>
             <a:r>
               <a:rPr lang="en-US" dirty="0" smtClean="0"/>
-              <a:t> </a:t>
+              <a:t>, </a:t>
             </a:r>
             <a:r>
               <a:rPr lang="bg-BG" dirty="0" smtClean="0"/>
-              <a:t>използваме </a:t>
-            </a:r>
+              <a:t>където искаме за </a:t>
+            </a:r>
+            <a:r>
+              <a:rPr lang="en-US" dirty="0" smtClean="0"/>
+              <a:t>Hire Date </a:t>
+            </a:r>
+            <a:r>
+              <a:rPr lang="bg-BG" dirty="0" smtClean="0"/>
+              <a:t>да въвеждаме само дата като ден-месец-година</a:t>
+            </a:r>
+            <a:endParaRPr lang="en-US" dirty="0"/>
+          </a:p>
+        </p:txBody>
+      </p:sp>
+      <p:sp>
+        <p:nvSpPr>
+          <p:cNvPr id="3" name="TextBox 2"/>
+          <p:cNvSpPr txBox="1"/>
+          <p:nvPr/>
+        </p:nvSpPr>
+        <p:spPr>
+          <a:xfrm>
+            <a:off x="4184821" y="807307"/>
+            <a:ext cx="4464908" cy="461665"/>
+          </a:xfrm>
+          <a:prstGeom prst="rect">
+            <a:avLst/>
+          </a:prstGeom>
+          <a:noFill/>
+        </p:spPr>
+        <p:txBody>
+          <a:bodyPr wrap="square" rtlCol="0">
+            <a:spAutoFit/>
+          </a:bodyPr>
+          <a:lstStyle/>
+          <a:p>
+            <a:r>
+              <a:rPr lang="bg-BG" sz="2400" dirty="0" smtClean="0"/>
+              <a:t>Проблеми и решения за тях</a:t>
+            </a:r>
+            <a:endParaRPr lang="en-US" sz="2400" dirty="0"/>
+          </a:p>
+        </p:txBody>
+      </p:sp>
+      <p:sp>
+        <p:nvSpPr>
+          <p:cNvPr id="5" name="TextBox 4"/>
+          <p:cNvSpPr txBox="1"/>
+          <p:nvPr/>
+        </p:nvSpPr>
+        <p:spPr>
+          <a:xfrm>
+            <a:off x="914400" y="2315525"/>
+            <a:ext cx="8163697" cy="923330"/>
+          </a:xfrm>
+          <a:prstGeom prst="rect">
+            <a:avLst/>
+          </a:prstGeom>
+          <a:noFill/>
+        </p:spPr>
+        <p:txBody>
+          <a:bodyPr wrap="square" rtlCol="0">
+            <a:spAutoFit/>
+          </a:bodyPr>
+          <a:lstStyle/>
+          <a:p>
+            <a:r>
+              <a:rPr lang="bg-BG" dirty="0" smtClean="0"/>
+              <a:t>Решението на проблема е да използваме </a:t>
+            </a:r>
+            <a:endParaRPr lang="en-US" dirty="0" smtClean="0"/>
           </a:p>
           <a:p>
             <a:r>
               <a:rPr lang="en-US" dirty="0" err="1" smtClean="0"/>
-              <a:t>HireDate.ToString</a:t>
+              <a:t>DateTime.ParseExact</a:t>
             </a:r>
             <a:r>
               <a:rPr lang="en-US" dirty="0" smtClean="0"/>
-              <a:t>(“</a:t>
+              <a:t>(</a:t>
             </a:r>
             <a:r>
               <a:rPr lang="en-US" dirty="0" err="1" smtClean="0"/>
+              <a:t>Console.ReadLine</a:t>
+            </a:r>
+            <a:r>
+              <a:rPr lang="en-US" dirty="0"/>
+              <a:t>(), "</a:t>
+            </a:r>
+            <a:r>
+              <a:rPr lang="en-US" dirty="0" err="1"/>
               <a:t>dd</a:t>
             </a:r>
             <a:r>
+              <a:rPr lang="en-US" dirty="0"/>
+              <a:t>-MM-</a:t>
+            </a:r>
+            <a:r>
+              <a:rPr lang="en-US" dirty="0" err="1"/>
+              <a:t>yyyy</a:t>
+            </a:r>
+            <a:r>
+              <a:rPr lang="en-US" dirty="0"/>
+              <a:t>", </a:t>
+            </a:r>
+            <a:r>
+              <a:rPr lang="en-US" dirty="0" err="1"/>
+              <a:t>CultureInfo.InvariantCulture</a:t>
+            </a:r>
+            <a:r>
               <a:rPr lang="en-US" dirty="0" smtClean="0"/>
-              <a:t>-MM-</a:t>
-            </a:r>
-            <a:r>
-              <a:rPr lang="en-US" dirty="0" err="1" smtClean="0"/>
-              <a:t>yyyy</a:t>
-            </a:r>
-            <a:r>
-              <a:rPr lang="en-US" dirty="0" smtClean="0"/>
-              <a:t>”), </a:t>
-            </a:r>
-            <a:endParaRPr lang="bg-BG" dirty="0" smtClean="0"/>
-          </a:p>
-          <a:p>
+              <a:t>)</a:t>
+            </a:r>
             <a:r>
               <a:rPr lang="bg-BG" dirty="0" smtClean="0"/>
-              <a:t>за да изберем деня, месеца и годината без часа</a:t>
-            </a:r>
-            <a:endParaRPr lang="en-US" dirty="0"/>
+              <a:t>, за да може да превървем низа по начина който искаме</a:t>
+            </a:r>
+            <a:endParaRPr lang="en-US" dirty="0" smtClean="0"/>
           </a:p>
         </p:txBody>
       </p:sp>
       <p:pic>
         <p:nvPicPr>
-          <p:cNvPr id="3" name="Picture 2"/>
+          <p:cNvPr id="6" name="Picture 5"/>
           <p:cNvPicPr>
             <a:picLocks noChangeAspect="1"/>
           </p:cNvPicPr>
@@ -6473,8 +6573,8 @@
         </p:blipFill>
         <p:spPr>
           <a:xfrm>
-            <a:off x="5288692" y="2639061"/>
-            <a:ext cx="5931244" cy="3342776"/>
+            <a:off x="4996248" y="3465265"/>
+            <a:ext cx="5189836" cy="2448248"/>
           </a:xfrm>
           <a:prstGeom prst="rect">
             <a:avLst/>
@@ -6484,13 +6584,16 @@
     </p:spTree>
     <p:extLst>
       <p:ext uri="{BB962C8B-B14F-4D97-AF65-F5344CB8AC3E}">
-        <p14:creationId xmlns:p14="http://schemas.microsoft.com/office/powerpoint/2010/main" val="844745888"/>
+        <p14:creationId xmlns:p14="http://schemas.microsoft.com/office/powerpoint/2010/main" val="2211192253"/>
       </p:ext>
     </p:extLst>
   </p:cSld>
   <p:clrMapOvr>
     <a:masterClrMapping/>
   </p:clrMapOvr>
+  <p:transition spd="slow">
+    <p:cover/>
+  </p:transition>
   <p:timing>
     <p:tnLst>
       <p:par>
@@ -6526,8 +6629,8 @@
         </p:nvSpPr>
         <p:spPr>
           <a:xfrm>
-            <a:off x="4860324" y="1013254"/>
-            <a:ext cx="1787611" cy="523220"/>
+            <a:off x="996778" y="1441621"/>
+            <a:ext cx="6656174" cy="923330"/>
           </a:xfrm>
           <a:prstGeom prst="rect">
             <a:avLst/>
@@ -6541,42 +6644,12 @@
           <a:lstStyle/>
           <a:p>
             <a:r>
-              <a:rPr lang="en-US" sz="2800" dirty="0" smtClean="0"/>
-              <a:t>ASP.NET</a:t>
-            </a:r>
-            <a:endParaRPr lang="en-US" sz="2800" dirty="0"/>
-          </a:p>
-        </p:txBody>
-      </p:sp>
-      <p:sp>
-        <p:nvSpPr>
-          <p:cNvPr id="3" name="TextBox 2"/>
-          <p:cNvSpPr txBox="1"/>
-          <p:nvPr/>
-        </p:nvSpPr>
-        <p:spPr>
-          <a:xfrm>
-            <a:off x="1054444" y="2117124"/>
-            <a:ext cx="3303372" cy="923330"/>
-          </a:xfrm>
-          <a:prstGeom prst="rect">
-            <a:avLst/>
-          </a:prstGeom>
-          <a:noFill/>
-        </p:spPr>
-        <p:txBody>
-          <a:bodyPr wrap="square" rtlCol="0">
-            <a:spAutoFit/>
-          </a:bodyPr>
-          <a:lstStyle/>
-          <a:p>
-            <a:r>
               <a:rPr lang="bg-BG" dirty="0" smtClean="0"/>
-              <a:t>Използваме </a:t>
+              <a:t>В метода </a:t>
             </a:r>
             <a:r>
               <a:rPr lang="en-US" dirty="0" err="1" smtClean="0"/>
-              <a:t>onModelCreating</a:t>
+              <a:t>ListEmployees</a:t>
             </a:r>
             <a:r>
               <a:rPr lang="en-US" dirty="0" smtClean="0"/>
@@ -6584,19 +6657,40 @@
             </a:r>
             <a:r>
               <a:rPr lang="bg-BG" dirty="0" smtClean="0"/>
-              <a:t>за връзка между таблиците</a:t>
+              <a:t>използваме </a:t>
+            </a:r>
+          </a:p>
+          <a:p>
+            <a:r>
+              <a:rPr lang="en-US" dirty="0" err="1" smtClean="0"/>
+              <a:t>HireDate.ToString</a:t>
             </a:r>
             <a:r>
               <a:rPr lang="en-US" dirty="0" smtClean="0"/>
-              <a:t> </a:t>
-            </a:r>
+              <a:t>(“</a:t>
+            </a:r>
+            <a:r>
+              <a:rPr lang="en-US" dirty="0" err="1" smtClean="0"/>
+              <a:t>dd</a:t>
+            </a:r>
+            <a:r>
+              <a:rPr lang="en-US" dirty="0" smtClean="0"/>
+              <a:t>-MM-</a:t>
+            </a:r>
+            <a:r>
+              <a:rPr lang="en-US" dirty="0" err="1" smtClean="0"/>
+              <a:t>yyyy</a:t>
+            </a:r>
+            <a:r>
+              <a:rPr lang="en-US" dirty="0" smtClean="0"/>
+              <a:t>”), </a:t>
+            </a:r>
+            <a:endParaRPr lang="bg-BG" dirty="0" smtClean="0"/>
+          </a:p>
+          <a:p>
             <a:r>
               <a:rPr lang="bg-BG" dirty="0" smtClean="0"/>
-              <a:t>на </a:t>
-            </a:r>
-            <a:r>
-              <a:rPr lang="en-US" dirty="0" smtClean="0"/>
-              <a:t>.NET Framework</a:t>
+              <a:t>за да изберем деня, месеца и годината без часа</a:t>
             </a:r>
             <a:endParaRPr lang="en-US" dirty="0"/>
           </a:p>
@@ -6604,7 +6698,7 @@
       </p:sp>
       <p:pic>
         <p:nvPicPr>
-          <p:cNvPr id="5" name="Picture 4"/>
+          <p:cNvPr id="3" name="Picture 2"/>
           <p:cNvPicPr>
             <a:picLocks noChangeAspect="1"/>
           </p:cNvPicPr>
@@ -6618,8 +6712,8 @@
         </p:blipFill>
         <p:spPr>
           <a:xfrm>
-            <a:off x="5677327" y="1944130"/>
-            <a:ext cx="4972744" cy="3600953"/>
+            <a:off x="5288692" y="2639061"/>
+            <a:ext cx="5931244" cy="3342776"/>
           </a:xfrm>
           <a:prstGeom prst="rect">
             <a:avLst/>
@@ -6629,13 +6723,16 @@
     </p:spTree>
     <p:extLst>
       <p:ext uri="{BB962C8B-B14F-4D97-AF65-F5344CB8AC3E}">
-        <p14:creationId xmlns:p14="http://schemas.microsoft.com/office/powerpoint/2010/main" val="2922815132"/>
+        <p14:creationId xmlns:p14="http://schemas.microsoft.com/office/powerpoint/2010/main" val="844745888"/>
       </p:ext>
     </p:extLst>
   </p:cSld>
   <p:clrMapOvr>
     <a:masterClrMapping/>
   </p:clrMapOvr>
+  <p:transition spd="slow">
+    <p:cover/>
+  </p:transition>
   <p:timing>
     <p:tnLst>
       <p:par>
@@ -6665,14 +6762,14 @@
       </p:grpSpPr>
       <p:sp>
         <p:nvSpPr>
-          <p:cNvPr id="4" name="TextBox 3"/>
+          <p:cNvPr id="2" name="TextBox 1"/>
           <p:cNvSpPr txBox="1"/>
           <p:nvPr/>
         </p:nvSpPr>
         <p:spPr>
           <a:xfrm>
-            <a:off x="3682312" y="881449"/>
-            <a:ext cx="4934465" cy="461665"/>
+            <a:off x="4860324" y="1013254"/>
+            <a:ext cx="1787611" cy="523220"/>
           </a:xfrm>
           <a:prstGeom prst="rect">
             <a:avLst/>
@@ -6686,27 +6783,23 @@
           <a:lstStyle/>
           <a:p>
             <a:r>
-              <a:rPr lang="bg-BG" sz="2400" dirty="0" smtClean="0"/>
-              <a:t>Проблеми и решения на </a:t>
-            </a:r>
-            <a:r>
-              <a:rPr lang="en-US" sz="2400" dirty="0" smtClean="0"/>
+              <a:rPr lang="en-US" sz="2800" dirty="0" smtClean="0"/>
               <a:t>ASP.NET</a:t>
             </a:r>
-            <a:endParaRPr lang="en-US" sz="2400" dirty="0"/>
-          </a:p>
-        </p:txBody>
-      </p:sp>
-      <p:sp>
-        <p:nvSpPr>
-          <p:cNvPr id="5" name="TextBox 4"/>
+            <a:endParaRPr lang="en-US" sz="2800" dirty="0"/>
+          </a:p>
+        </p:txBody>
+      </p:sp>
+      <p:sp>
+        <p:nvSpPr>
+          <p:cNvPr id="3" name="TextBox 2"/>
           <p:cNvSpPr txBox="1"/>
           <p:nvPr/>
         </p:nvSpPr>
         <p:spPr>
           <a:xfrm>
-            <a:off x="5453448" y="2010033"/>
-            <a:ext cx="5609968" cy="923330"/>
+            <a:off x="1210962" y="2273643"/>
+            <a:ext cx="3047999" cy="923330"/>
           </a:xfrm>
           <a:prstGeom prst="rect">
             <a:avLst/>
@@ -6721,21 +6814,15 @@
           <a:p>
             <a:r>
               <a:rPr lang="bg-BG" dirty="0" smtClean="0"/>
-              <a:t>Големия проблем на </a:t>
-            </a:r>
-            <a:r>
-              <a:rPr lang="en-US" dirty="0" smtClean="0"/>
-              <a:t>ASP.NET </a:t>
-            </a:r>
-            <a:r>
-              <a:rPr lang="bg-BG" dirty="0" smtClean="0"/>
-              <a:t>беше редактирането на </a:t>
-            </a:r>
-          </a:p>
-          <a:p>
-            <a:r>
-              <a:rPr lang="bg-BG" dirty="0" smtClean="0"/>
-              <a:t>имената на променливите да не изглеждат</a:t>
+              <a:t>Използваме </a:t>
+            </a:r>
+            <a:r>
+              <a:rPr lang="bg-BG" dirty="0"/>
+              <a:t>О</a:t>
+            </a:r>
+            <a:r>
+              <a:rPr lang="en-US" dirty="0" err="1" smtClean="0"/>
+              <a:t>nModelCreating</a:t>
             </a:r>
             <a:r>
               <a:rPr lang="en-US" dirty="0" smtClean="0"/>
@@ -6743,7 +6830,19 @@
             </a:r>
             <a:r>
               <a:rPr lang="bg-BG" dirty="0" smtClean="0"/>
-              <a:t>слято записани или да не се разбира за какво служат</a:t>
+              <a:t>за връзка между таблиците</a:t>
+            </a:r>
+            <a:r>
+              <a:rPr lang="en-US" dirty="0" smtClean="0"/>
+              <a:t> </a:t>
+            </a:r>
+            <a:r>
+              <a:rPr lang="bg-BG" dirty="0" smtClean="0"/>
+              <a:t>на </a:t>
+            </a:r>
+            <a:r>
+              <a:rPr lang="en-US" dirty="0" smtClean="0"/>
+              <a:t>.NET Framework</a:t>
             </a:r>
             <a:endParaRPr lang="en-US" dirty="0"/>
           </a:p>
@@ -6751,7 +6850,7 @@
       </p:sp>
       <p:pic>
         <p:nvPicPr>
-          <p:cNvPr id="6" name="Picture 5"/>
+          <p:cNvPr id="5" name="Picture 4"/>
           <p:cNvPicPr>
             <a:picLocks noChangeAspect="1"/>
           </p:cNvPicPr>
@@ -6765,58 +6864,27 @@
         </p:blipFill>
         <p:spPr>
           <a:xfrm>
-            <a:off x="2016695" y="2612088"/>
-            <a:ext cx="2276793" cy="2962688"/>
+            <a:off x="5677327" y="1944130"/>
+            <a:ext cx="4972744" cy="3600953"/>
           </a:xfrm>
           <a:prstGeom prst="rect">
             <a:avLst/>
           </a:prstGeom>
         </p:spPr>
       </p:pic>
-      <p:sp>
-        <p:nvSpPr>
-          <p:cNvPr id="7" name="TextBox 6"/>
-          <p:cNvSpPr txBox="1"/>
-          <p:nvPr/>
-        </p:nvSpPr>
-        <p:spPr>
-          <a:xfrm>
-            <a:off x="2067695" y="1825367"/>
-            <a:ext cx="3229233" cy="369332"/>
-          </a:xfrm>
-          <a:prstGeom prst="rect">
-            <a:avLst/>
-          </a:prstGeom>
-          <a:noFill/>
-        </p:spPr>
-        <p:txBody>
-          <a:bodyPr wrap="square" rtlCol="0">
-            <a:spAutoFit/>
-          </a:bodyPr>
-          <a:lstStyle/>
-          <a:p>
-            <a:r>
-              <a:rPr lang="bg-BG" dirty="0" smtClean="0"/>
-              <a:t>Пример от </a:t>
-            </a:r>
-            <a:r>
-              <a:rPr lang="en-US" dirty="0" smtClean="0"/>
-              <a:t>Employees</a:t>
-            </a:r>
-            <a:endParaRPr lang="en-US" dirty="0"/>
-          </a:p>
-        </p:txBody>
-      </p:sp>
     </p:spTree>
     <p:extLst>
       <p:ext uri="{BB962C8B-B14F-4D97-AF65-F5344CB8AC3E}">
-        <p14:creationId xmlns:p14="http://schemas.microsoft.com/office/powerpoint/2010/main" val="1073191700"/>
+        <p14:creationId xmlns:p14="http://schemas.microsoft.com/office/powerpoint/2010/main" val="2922815132"/>
       </p:ext>
     </p:extLst>
   </p:cSld>
   <p:clrMapOvr>
     <a:masterClrMapping/>
   </p:clrMapOvr>
+  <p:transition spd="slow">
+    <p:wipe/>
+  </p:transition>
   <p:timing>
     <p:tnLst>
       <p:par>
@@ -6846,14 +6914,14 @@
       </p:grpSpPr>
       <p:sp>
         <p:nvSpPr>
-          <p:cNvPr id="2" name="TextBox 1"/>
+          <p:cNvPr id="4" name="TextBox 3"/>
           <p:cNvSpPr txBox="1"/>
           <p:nvPr/>
         </p:nvSpPr>
         <p:spPr>
           <a:xfrm>
-            <a:off x="5049795" y="678419"/>
-            <a:ext cx="4053016" cy="461665"/>
+            <a:off x="3682312" y="881449"/>
+            <a:ext cx="4934465" cy="461665"/>
           </a:xfrm>
           <a:prstGeom prst="rect">
             <a:avLst/>
@@ -6868,7 +6936,11 @@
           <a:p>
             <a:r>
               <a:rPr lang="bg-BG" sz="2400" dirty="0" smtClean="0"/>
-              <a:t>Решение</a:t>
+              <a:t>Проблеми и решения на </a:t>
+            </a:r>
+            <a:r>
+              <a:rPr lang="en-US" sz="2400" dirty="0" smtClean="0"/>
+              <a:t>ASP.NET</a:t>
             </a:r>
             <a:endParaRPr lang="en-US" sz="2400" dirty="0"/>
           </a:p>
@@ -6876,14 +6948,14 @@
       </p:sp>
       <p:sp>
         <p:nvSpPr>
-          <p:cNvPr id="3" name="TextBox 2"/>
+          <p:cNvPr id="5" name="TextBox 4"/>
           <p:cNvSpPr txBox="1"/>
           <p:nvPr/>
         </p:nvSpPr>
         <p:spPr>
           <a:xfrm>
-            <a:off x="5296930" y="1433384"/>
-            <a:ext cx="5099222" cy="923330"/>
+            <a:off x="5766486" y="2612088"/>
+            <a:ext cx="4539049" cy="1200329"/>
           </a:xfrm>
           <a:prstGeom prst="rect">
             <a:avLst/>
@@ -6896,9 +6968,207 @@
           </a:bodyPr>
           <a:lstStyle/>
           <a:p>
+            <a:pPr algn="just"/>
             <a:r>
               <a:rPr lang="bg-BG" dirty="0" smtClean="0"/>
-              <a:t>Решението към проблема е да влезем в файла</a:t>
+              <a:t>Проблем </a:t>
+            </a:r>
+            <a:r>
+              <a:rPr lang="bg-BG" dirty="0" smtClean="0"/>
+              <a:t>на </a:t>
+            </a:r>
+            <a:r>
+              <a:rPr lang="en-US" dirty="0" smtClean="0"/>
+              <a:t>ASP.NET </a:t>
+            </a:r>
+            <a:r>
+              <a:rPr lang="bg-BG" dirty="0" smtClean="0"/>
+              <a:t>беше редактирането на </a:t>
+            </a:r>
+          </a:p>
+          <a:p>
+            <a:pPr algn="just"/>
+            <a:r>
+              <a:rPr lang="bg-BG" dirty="0" smtClean="0"/>
+              <a:t>имената на променливите да не изглеждат</a:t>
+            </a:r>
+            <a:r>
+              <a:rPr lang="en-US" dirty="0" smtClean="0"/>
+              <a:t> </a:t>
+            </a:r>
+            <a:r>
+              <a:rPr lang="bg-BG" dirty="0" smtClean="0"/>
+              <a:t>слято записани или да не се разбира за какво </a:t>
+            </a:r>
+            <a:r>
+              <a:rPr lang="bg-BG" dirty="0" smtClean="0"/>
+              <a:t>служат и промяната на заглавието </a:t>
+            </a:r>
+            <a:r>
+              <a:rPr lang="en-US" dirty="0" smtClean="0"/>
+              <a:t>,,Index’’.</a:t>
+            </a:r>
+            <a:endParaRPr lang="en-US" dirty="0"/>
+          </a:p>
+        </p:txBody>
+      </p:sp>
+      <p:pic>
+        <p:nvPicPr>
+          <p:cNvPr id="6" name="Picture 5"/>
+          <p:cNvPicPr>
+            <a:picLocks noChangeAspect="1"/>
+          </p:cNvPicPr>
+          <p:nvPr/>
+        </p:nvPicPr>
+        <p:blipFill>
+          <a:blip r:embed="rId2"/>
+          <a:stretch>
+            <a:fillRect/>
+          </a:stretch>
+        </p:blipFill>
+        <p:spPr>
+          <a:xfrm>
+            <a:off x="2067695" y="2331073"/>
+            <a:ext cx="2276793" cy="2962688"/>
+          </a:xfrm>
+          <a:prstGeom prst="rect">
+            <a:avLst/>
+          </a:prstGeom>
+        </p:spPr>
+      </p:pic>
+      <p:sp>
+        <p:nvSpPr>
+          <p:cNvPr id="7" name="TextBox 6"/>
+          <p:cNvSpPr txBox="1"/>
+          <p:nvPr/>
+        </p:nvSpPr>
+        <p:spPr>
+          <a:xfrm>
+            <a:off x="2067695" y="1825367"/>
+            <a:ext cx="3229233" cy="369332"/>
+          </a:xfrm>
+          <a:prstGeom prst="rect">
+            <a:avLst/>
+          </a:prstGeom>
+          <a:noFill/>
+        </p:spPr>
+        <p:txBody>
+          <a:bodyPr wrap="square" rtlCol="0">
+            <a:spAutoFit/>
+          </a:bodyPr>
+          <a:lstStyle/>
+          <a:p>
+            <a:r>
+              <a:rPr lang="bg-BG" dirty="0" smtClean="0"/>
+              <a:t>Пример от </a:t>
+            </a:r>
+            <a:r>
+              <a:rPr lang="en-US" dirty="0" smtClean="0"/>
+              <a:t>Employees</a:t>
+            </a:r>
+            <a:endParaRPr lang="en-US" dirty="0"/>
+          </a:p>
+        </p:txBody>
+      </p:sp>
+    </p:spTree>
+    <p:extLst>
+      <p:ext uri="{BB962C8B-B14F-4D97-AF65-F5344CB8AC3E}">
+        <p14:creationId xmlns:p14="http://schemas.microsoft.com/office/powerpoint/2010/main" val="1073191700"/>
+      </p:ext>
+    </p:extLst>
+  </p:cSld>
+  <p:clrMapOvr>
+    <a:masterClrMapping/>
+  </p:clrMapOvr>
+  <p:transition spd="slow">
+    <p:push dir="u"/>
+  </p:transition>
+  <p:timing>
+    <p:tnLst>
+      <p:par>
+        <p:cTn id="1" dur="indefinite" restart="never" nodeType="tmRoot"/>
+      </p:par>
+    </p:tnLst>
+  </p:timing>
+</p:sld>
+</file>
+
+<file path=ppt/slides/slide8.xml><?xml version="1.0" encoding="utf-8"?>
+<p:sld xmlns:a="http://schemas.openxmlformats.org/drawingml/2006/main" xmlns:r="http://schemas.openxmlformats.org/officeDocument/2006/relationships" xmlns:p="http://schemas.openxmlformats.org/presentationml/2006/main">
+  <p:cSld>
+    <p:spTree>
+      <p:nvGrpSpPr>
+        <p:cNvPr id="1" name=""/>
+        <p:cNvGrpSpPr/>
+        <p:nvPr/>
+      </p:nvGrpSpPr>
+      <p:grpSpPr>
+        <a:xfrm>
+          <a:off x="0" y="0"/>
+          <a:ext cx="0" cy="0"/>
+          <a:chOff x="0" y="0"/>
+          <a:chExt cx="0" cy="0"/>
+        </a:xfrm>
+      </p:grpSpPr>
+      <p:sp>
+        <p:nvSpPr>
+          <p:cNvPr id="2" name="TextBox 1"/>
+          <p:cNvSpPr txBox="1"/>
+          <p:nvPr/>
+        </p:nvSpPr>
+        <p:spPr>
+          <a:xfrm>
+            <a:off x="5074508" y="678419"/>
+            <a:ext cx="4053016" cy="461665"/>
+          </a:xfrm>
+          <a:prstGeom prst="rect">
+            <a:avLst/>
+          </a:prstGeom>
+          <a:noFill/>
+        </p:spPr>
+        <p:txBody>
+          <a:bodyPr wrap="square" rtlCol="0">
+            <a:spAutoFit/>
+          </a:bodyPr>
+          <a:lstStyle/>
+          <a:p>
+            <a:r>
+              <a:rPr lang="bg-BG" sz="2400" dirty="0" smtClean="0"/>
+              <a:t>Решение</a:t>
+            </a:r>
+            <a:endParaRPr lang="en-US" sz="2400" dirty="0"/>
+          </a:p>
+        </p:txBody>
+      </p:sp>
+      <p:sp>
+        <p:nvSpPr>
+          <p:cNvPr id="3" name="TextBox 2"/>
+          <p:cNvSpPr txBox="1"/>
+          <p:nvPr/>
+        </p:nvSpPr>
+        <p:spPr>
+          <a:xfrm>
+            <a:off x="4712042" y="1794217"/>
+            <a:ext cx="6450227" cy="923330"/>
+          </a:xfrm>
+          <a:prstGeom prst="rect">
+            <a:avLst/>
+          </a:prstGeom>
+          <a:noFill/>
+        </p:spPr>
+        <p:txBody>
+          <a:bodyPr wrap="square" rtlCol="0">
+            <a:spAutoFit/>
+          </a:bodyPr>
+          <a:lstStyle/>
+          <a:p>
+            <a:r>
+              <a:rPr lang="bg-BG" dirty="0" smtClean="0"/>
+              <a:t>Решението към проблема </a:t>
+            </a:r>
+            <a:r>
+              <a:rPr lang="bg-BG" dirty="0" smtClean="0"/>
+              <a:t>беше да се редактира кода от файла</a:t>
             </a:r>
           </a:p>
           <a:p>
@@ -6908,7 +7178,7 @@
             </a:r>
             <a:r>
               <a:rPr lang="bg-BG" dirty="0" smtClean="0"/>
-              <a:t>, където може да редактираме как да се казват полетата и заглавието на страницата</a:t>
+              <a:t> за всеки от класовете, където може да покажем информацията както желаем.</a:t>
             </a:r>
             <a:endParaRPr lang="en-US" dirty="0"/>
           </a:p>
@@ -6930,7 +7200,7 @@
         </p:blipFill>
         <p:spPr>
           <a:xfrm>
-            <a:off x="899162" y="1268973"/>
+            <a:off x="948589" y="1268973"/>
             <a:ext cx="3292662" cy="3348680"/>
           </a:xfrm>
           <a:prstGeom prst="rect">
@@ -6954,7 +7224,7 @@
         </p:blipFill>
         <p:spPr>
           <a:xfrm>
-            <a:off x="4448948" y="2943313"/>
+            <a:off x="4469543" y="3371680"/>
             <a:ext cx="6935226" cy="2697890"/>
           </a:xfrm>
           <a:prstGeom prst="rect">
@@ -6972,6 +7242,9 @@
   <p:clrMapOvr>
     <a:masterClrMapping/>
   </p:clrMapOvr>
+  <p:transition spd="slow">
+    <p:cover/>
+  </p:transition>
   <p:timing>
     <p:tnLst>
       <p:par>
@@ -6982,7 +7255,7 @@
 </p:sld>
 </file>
 
-<file path=ppt/slides/slide8.xml><?xml version="1.0" encoding="utf-8"?>
+<file path=ppt/slides/slide9.xml><?xml version="1.0" encoding="utf-8"?>
 <p:sld xmlns:a="http://schemas.openxmlformats.org/drawingml/2006/main" xmlns:r="http://schemas.openxmlformats.org/officeDocument/2006/relationships" xmlns:p="http://schemas.openxmlformats.org/presentationml/2006/main">
   <p:cSld>
     <p:spTree>
